--- a/Studies/NEZ/NEZ Study.pptx
+++ b/Studies/NEZ/NEZ Study.pptx
@@ -201,7 +201,7 @@
           <a:p>
             <a:fld id="{939FBB94-1BDC-4671-BF8C-8AD84E3E2114}" type="datetimeFigureOut">
               <a:rPr lang="en-US" smtClean="0"/>
-              <a:t>1/21/2024</a:t>
+              <a:t>2/3/2024</a:t>
             </a:fld>
             <a:endParaRPr lang="en-US"/>
           </a:p>
@@ -615,7 +615,7 @@
           <a:p>
             <a:fld id="{1FF68B74-9DCF-4753-B62C-E050F56A6216}" type="datetime1">
               <a:rPr lang="en-US" smtClean="0"/>
-              <a:t>1/21/2024</a:t>
+              <a:t>2/3/2024</a:t>
             </a:fld>
             <a:endParaRPr lang="en-US"/>
           </a:p>
@@ -816,7 +816,7 @@
           <a:p>
             <a:fld id="{074EA68C-5CA1-492A-A9E0-BCF2D9020F84}" type="datetime1">
               <a:rPr lang="en-US" smtClean="0"/>
-              <a:t>1/21/2024</a:t>
+              <a:t>2/3/2024</a:t>
             </a:fld>
             <a:endParaRPr lang="en-US"/>
           </a:p>
@@ -1027,7 +1027,7 @@
           <a:p>
             <a:fld id="{55D64DAE-0C7D-4604-AD01-47E7713DAB14}" type="datetime1">
               <a:rPr lang="en-US" smtClean="0"/>
-              <a:t>1/21/2024</a:t>
+              <a:t>2/3/2024</a:t>
             </a:fld>
             <a:endParaRPr lang="en-US"/>
           </a:p>
@@ -1228,7 +1228,7 @@
           <a:p>
             <a:fld id="{03180A6D-3BF9-4305-83CA-5CA2DC69A1BD}" type="datetime1">
               <a:rPr lang="en-US" smtClean="0"/>
-              <a:t>1/21/2024</a:t>
+              <a:t>2/3/2024</a:t>
             </a:fld>
             <a:endParaRPr lang="en-US"/>
           </a:p>
@@ -1506,7 +1506,7 @@
           <a:p>
             <a:fld id="{AF6D6636-BEBD-42F3-A914-B9C16DA89310}" type="datetime1">
               <a:rPr lang="en-US" smtClean="0"/>
-              <a:t>1/21/2024</a:t>
+              <a:t>2/3/2024</a:t>
             </a:fld>
             <a:endParaRPr lang="en-US"/>
           </a:p>
@@ -1774,7 +1774,7 @@
           <a:p>
             <a:fld id="{AFC2A4FE-9AC5-4942-821A-7750418938A4}" type="datetime1">
               <a:rPr lang="en-US" smtClean="0"/>
-              <a:t>1/21/2024</a:t>
+              <a:t>2/3/2024</a:t>
             </a:fld>
             <a:endParaRPr lang="en-US"/>
           </a:p>
@@ -2189,7 +2189,7 @@
           <a:p>
             <a:fld id="{43A35C9E-D153-4B61-88DD-DAC19F3042F5}" type="datetime1">
               <a:rPr lang="en-US" smtClean="0"/>
-              <a:t>1/21/2024</a:t>
+              <a:t>2/3/2024</a:t>
             </a:fld>
             <a:endParaRPr lang="en-US"/>
           </a:p>
@@ -2333,7 +2333,7 @@
           <a:p>
             <a:fld id="{C24635C6-6FC2-45D0-AFAB-C1A9E1CF7643}" type="datetime1">
               <a:rPr lang="en-US" smtClean="0"/>
-              <a:t>1/21/2024</a:t>
+              <a:t>2/3/2024</a:t>
             </a:fld>
             <a:endParaRPr lang="en-US"/>
           </a:p>
@@ -2449,7 +2449,7 @@
           <a:p>
             <a:fld id="{75FEF0E2-6FD0-470D-BF0E-5DBD733492C6}" type="datetime1">
               <a:rPr lang="en-US" smtClean="0"/>
-              <a:t>1/21/2024</a:t>
+              <a:t>2/3/2024</a:t>
             </a:fld>
             <a:endParaRPr lang="en-US"/>
           </a:p>
@@ -2763,7 +2763,7 @@
           <a:p>
             <a:fld id="{4323B62B-EDF1-44F4-84DD-5162A512CF23}" type="datetime1">
               <a:rPr lang="en-US" smtClean="0"/>
-              <a:t>1/21/2024</a:t>
+              <a:t>2/3/2024</a:t>
             </a:fld>
             <a:endParaRPr lang="en-US"/>
           </a:p>
@@ -3054,7 +3054,7 @@
           <a:p>
             <a:fld id="{F7E98AAC-664E-4693-829C-4121556E1791}" type="datetime1">
               <a:rPr lang="en-US" smtClean="0"/>
-              <a:t>1/21/2024</a:t>
+              <a:t>2/3/2024</a:t>
             </a:fld>
             <a:endParaRPr lang="en-US"/>
           </a:p>
@@ -3298,7 +3298,7 @@
           <a:p>
             <a:fld id="{282E3960-F812-4F2A-B921-22462C52A4AC}" type="datetime1">
               <a:rPr lang="en-US" smtClean="0"/>
-              <a:t>1/21/2024</a:t>
+              <a:t>2/3/2024</a:t>
             </a:fld>
             <a:endParaRPr lang="en-US"/>
           </a:p>
@@ -5619,10 +5619,10 @@
       </p:grpSpPr>
       <p:pic>
         <p:nvPicPr>
-          <p:cNvPr id="2" name="Picture 1" descr="A screen shot of a chart&#10;&#10;Description automatically generated">
-            <a:extLst>
-              <a:ext uri="{FF2B5EF4-FFF2-40B4-BE49-F238E27FC236}">
-                <a16:creationId xmlns:a16="http://schemas.microsoft.com/office/drawing/2014/main" id="{3B89B397-D9D0-1427-8093-15B46427458F}"/>
+          <p:cNvPr id="8" name="Picture 7" descr="A screen shot of a chart&#10;&#10;Description automatically generated">
+            <a:extLst>
+              <a:ext uri="{FF2B5EF4-FFF2-40B4-BE49-F238E27FC236}">
+                <a16:creationId xmlns:a16="http://schemas.microsoft.com/office/drawing/2014/main" id="{687DE69B-35D5-0F74-D3F1-1447561130A5}"/>
               </a:ext>
             </a:extLst>
           </p:cNvPr>
@@ -5632,30 +5632,25 @@
           <p:nvPr/>
         </p:nvPicPr>
         <p:blipFill>
-          <a:blip r:embed="rId2" cstate="print">
+          <a:blip r:embed="rId2">
             <a:extLst>
               <a:ext uri="{28A0092B-C50C-407E-A947-70E740481C1C}">
                 <a14:useLocalDpi xmlns:a14="http://schemas.microsoft.com/office/drawing/2010/main" val="0"/>
               </a:ext>
             </a:extLst>
           </a:blip>
-          <a:srcRect/>
           <a:stretch>
             <a:fillRect/>
           </a:stretch>
         </p:blipFill>
-        <p:spPr bwMode="auto">
+        <p:spPr>
           <a:xfrm>
-            <a:off x="-47820" y="1102155"/>
-            <a:ext cx="12239819" cy="5619070"/>
+            <a:off x="1537735" y="1210021"/>
+            <a:ext cx="8723986" cy="5511204"/>
           </a:xfrm>
           <a:prstGeom prst="rect">
             <a:avLst/>
           </a:prstGeom>
-          <a:noFill/>
-          <a:ln>
-            <a:noFill/>
-          </a:ln>
         </p:spPr>
       </p:pic>
       <p:sp>
@@ -5733,8 +5728,8 @@
         </p:nvSpPr>
         <p:spPr>
           <a:xfrm>
-            <a:off x="5899728" y="782534"/>
-            <a:ext cx="5037631" cy="1477328"/>
+            <a:off x="6096000" y="782534"/>
+            <a:ext cx="5257800" cy="1477328"/>
           </a:xfrm>
           <a:prstGeom prst="rect">
             <a:avLst/>
@@ -5921,10 +5916,10 @@
       </p:pic>
       <p:pic>
         <p:nvPicPr>
-          <p:cNvPr id="7" name="Picture 6" descr="A screenshot of a graph&#10;&#10;Description automatically generated">
-            <a:extLst>
-              <a:ext uri="{FF2B5EF4-FFF2-40B4-BE49-F238E27FC236}">
-                <a16:creationId xmlns:a16="http://schemas.microsoft.com/office/drawing/2014/main" id="{9F8CB7E0-4A29-7269-137B-E65C20918381}"/>
+          <p:cNvPr id="12" name="Picture 11" descr="A screenshot of a graph&#10;&#10;Description automatically generated">
+            <a:extLst>
+              <a:ext uri="{FF2B5EF4-FFF2-40B4-BE49-F238E27FC236}">
+                <a16:creationId xmlns:a16="http://schemas.microsoft.com/office/drawing/2014/main" id="{EB8B6AC9-8198-0D60-546C-60C8D40DBC85}"/>
               </a:ext>
             </a:extLst>
           </p:cNvPr>
@@ -5947,8 +5942,8 @@
         </p:blipFill>
         <p:spPr>
           <a:xfrm>
-            <a:off x="6375036" y="1238696"/>
-            <a:ext cx="5486411" cy="5486411"/>
+            <a:off x="6488451" y="809395"/>
+            <a:ext cx="5735448" cy="5735448"/>
           </a:xfrm>
           <a:prstGeom prst="rect">
             <a:avLst/>
